--- a/Publications/Poster2015-04-PediatricsResearchDay/thomas_poster.pptx
+++ b/Publications/Poster2015-04-PediatricsResearchDay/thomas_poster.pptx
@@ -288,7 +288,7 @@
           <a:p>
             <a:fld id="{47A46F9B-2D6C-3B44-92C9-2F63A4582805}" type="datetimeFigureOut">
               <a:rPr lang="en-US" smtClean="0"/>
-              <a:t>2015-04-27</a:t>
+              <a:t>2015-04-30</a:t>
             </a:fld>
             <a:endParaRPr lang="en-US"/>
           </a:p>
@@ -458,7 +458,7 @@
           <a:p>
             <a:fld id="{47A46F9B-2D6C-3B44-92C9-2F63A4582805}" type="datetimeFigureOut">
               <a:rPr lang="en-US" smtClean="0"/>
-              <a:t>2015-04-27</a:t>
+              <a:t>2015-04-30</a:t>
             </a:fld>
             <a:endParaRPr lang="en-US"/>
           </a:p>
@@ -638,7 +638,7 @@
           <a:p>
             <a:fld id="{47A46F9B-2D6C-3B44-92C9-2F63A4582805}" type="datetimeFigureOut">
               <a:rPr lang="en-US" smtClean="0"/>
-              <a:t>2015-04-27</a:t>
+              <a:t>2015-04-30</a:t>
             </a:fld>
             <a:endParaRPr lang="en-US"/>
           </a:p>
@@ -808,7 +808,7 @@
           <a:p>
             <a:fld id="{47A46F9B-2D6C-3B44-92C9-2F63A4582805}" type="datetimeFigureOut">
               <a:rPr lang="en-US" smtClean="0"/>
-              <a:t>2015-04-27</a:t>
+              <a:t>2015-04-30</a:t>
             </a:fld>
             <a:endParaRPr lang="en-US"/>
           </a:p>
@@ -1054,7 +1054,7 @@
           <a:p>
             <a:fld id="{47A46F9B-2D6C-3B44-92C9-2F63A4582805}" type="datetimeFigureOut">
               <a:rPr lang="en-US" smtClean="0"/>
-              <a:t>2015-04-27</a:t>
+              <a:t>2015-04-30</a:t>
             </a:fld>
             <a:endParaRPr lang="en-US"/>
           </a:p>
@@ -1342,7 +1342,7 @@
           <a:p>
             <a:fld id="{47A46F9B-2D6C-3B44-92C9-2F63A4582805}" type="datetimeFigureOut">
               <a:rPr lang="en-US" smtClean="0"/>
-              <a:t>2015-04-27</a:t>
+              <a:t>2015-04-30</a:t>
             </a:fld>
             <a:endParaRPr lang="en-US"/>
           </a:p>
@@ -1764,7 +1764,7 @@
           <a:p>
             <a:fld id="{47A46F9B-2D6C-3B44-92C9-2F63A4582805}" type="datetimeFigureOut">
               <a:rPr lang="en-US" smtClean="0"/>
-              <a:t>2015-04-27</a:t>
+              <a:t>2015-04-30</a:t>
             </a:fld>
             <a:endParaRPr lang="en-US"/>
           </a:p>
@@ -1882,7 +1882,7 @@
           <a:p>
             <a:fld id="{47A46F9B-2D6C-3B44-92C9-2F63A4582805}" type="datetimeFigureOut">
               <a:rPr lang="en-US" smtClean="0"/>
-              <a:t>2015-04-27</a:t>
+              <a:t>2015-04-30</a:t>
             </a:fld>
             <a:endParaRPr lang="en-US"/>
           </a:p>
@@ -1977,7 +1977,7 @@
           <a:p>
             <a:fld id="{47A46F9B-2D6C-3B44-92C9-2F63A4582805}" type="datetimeFigureOut">
               <a:rPr lang="en-US" smtClean="0"/>
-              <a:t>2015-04-27</a:t>
+              <a:t>2015-04-30</a:t>
             </a:fld>
             <a:endParaRPr lang="en-US"/>
           </a:p>
@@ -2254,7 +2254,7 @@
           <a:p>
             <a:fld id="{47A46F9B-2D6C-3B44-92C9-2F63A4582805}" type="datetimeFigureOut">
               <a:rPr lang="en-US" smtClean="0"/>
-              <a:t>2015-04-27</a:t>
+              <a:t>2015-04-30</a:t>
             </a:fld>
             <a:endParaRPr lang="en-US"/>
           </a:p>
@@ -2507,7 +2507,7 @@
           <a:p>
             <a:fld id="{47A46F9B-2D6C-3B44-92C9-2F63A4582805}" type="datetimeFigureOut">
               <a:rPr lang="en-US" smtClean="0"/>
-              <a:t>2015-04-27</a:t>
+              <a:t>2015-04-30</a:t>
             </a:fld>
             <a:endParaRPr lang="en-US"/>
           </a:p>
@@ -2720,7 +2720,7 @@
           <a:p>
             <a:fld id="{47A46F9B-2D6C-3B44-92C9-2F63A4582805}" type="datetimeFigureOut">
               <a:rPr lang="en-US" smtClean="0"/>
-              <a:t>2015-04-27</a:t>
+              <a:t>2015-04-30</a:t>
             </a:fld>
             <a:endParaRPr lang="en-US"/>
           </a:p>
@@ -3134,41 +3134,78 @@
           </a:bodyPr>
           <a:lstStyle/>
           <a:p>
+            <a:pPr>
+              <a:buFont typeface="Arial" panose="020B0604020202020204" pitchFamily="34" charset="0"/>
+              <a:buChar char="•"/>
+              <a:tabLst>
+                <a:tab pos="4286250" algn="l"/>
+              </a:tabLst>
+            </a:pPr>
             <a:r>
               <a:rPr lang="en-US" sz="3400" dirty="0" smtClean="0"/>
               <a:t>Developmental and Behavioral Difficulties (DBDs) are costly</a:t>
             </a:r>
           </a:p>
           <a:p>
-            <a:pPr lvl="1"/>
+            <a:pPr lvl="1">
+              <a:buFont typeface="Arial" panose="020B0604020202020204" pitchFamily="34" charset="0"/>
+              <a:buChar char="•"/>
+              <a:tabLst>
+                <a:tab pos="4286250" algn="l"/>
+              </a:tabLst>
+            </a:pPr>
             <a:r>
               <a:rPr lang="en-US" sz="3400" dirty="0" smtClean="0"/>
               <a:t>Estimated $250 billion per year</a:t>
             </a:r>
-            <a:endParaRPr lang="en-US" sz="3400" dirty="0" smtClean="0"/>
-          </a:p>
-          <a:p>
+          </a:p>
+          <a:p>
+            <a:pPr>
+              <a:buFont typeface="Arial" panose="020B0604020202020204" pitchFamily="34" charset="0"/>
+              <a:buChar char="•"/>
+              <a:tabLst>
+                <a:tab pos="4286250" algn="l"/>
+              </a:tabLst>
+            </a:pPr>
             <a:r>
               <a:rPr lang="en-US" sz="3400" dirty="0" smtClean="0"/>
               <a:t>DBDs predominantly persist among two groups of vulnerable children</a:t>
             </a:r>
           </a:p>
           <a:p>
-            <a:pPr lvl="1"/>
+            <a:pPr lvl="1">
+              <a:buFont typeface="Arial" panose="020B0604020202020204" pitchFamily="34" charset="0"/>
+              <a:buChar char="•"/>
+              <a:tabLst>
+                <a:tab pos="4286250" algn="l"/>
+              </a:tabLst>
+            </a:pPr>
             <a:r>
               <a:rPr lang="en-US" sz="3400" dirty="0" smtClean="0"/>
               <a:t>Those susceptible to child abuse and neglect due to insufficient care or nurturance</a:t>
             </a:r>
           </a:p>
           <a:p>
-            <a:pPr lvl="1"/>
+            <a:pPr lvl="1">
+              <a:buFont typeface="Arial" panose="020B0604020202020204" pitchFamily="34" charset="0"/>
+              <a:buChar char="•"/>
+              <a:tabLst>
+                <a:tab pos="4286250" algn="l"/>
+              </a:tabLst>
+            </a:pPr>
             <a:r>
               <a:rPr lang="en-US" sz="3400" dirty="0" smtClean="0"/>
               <a:t>Those, who despite adequate care, suffer developmental and/or behavioral delays or disorders from a very early age</a:t>
             </a:r>
-            <a:endParaRPr lang="en-US" sz="3400" dirty="0" smtClean="0"/>
-          </a:p>
-          <a:p>
+          </a:p>
+          <a:p>
+            <a:pPr>
+              <a:buFont typeface="Arial" panose="020B0604020202020204" pitchFamily="34" charset="0"/>
+              <a:buChar char="•"/>
+              <a:tabLst>
+                <a:tab pos="4286250" algn="l"/>
+              </a:tabLst>
+            </a:pPr>
             <a:r>
               <a:rPr lang="en-US" sz="3400" dirty="0" smtClean="0"/>
               <a:t>When unnoticed and untreated, the price of DBDs and the number of ensuing negative impacts increases</a:t>
@@ -3249,9 +3286,6 @@
               </a:rPr>
               <a:t>Epidemiological Study of Developmental Progress in Vulnerable Oklahoma Families</a:t>
             </a:r>
-            <a:endParaRPr lang="en-US" sz="7000" dirty="0" smtClean="0">
-              <a:latin typeface="+mj-lt"/>
-            </a:endParaRPr>
           </a:p>
           <a:p>
             <a:pPr algn="ctr"/>
@@ -3261,15 +3295,7 @@
                   <a:schemeClr val="bg1"/>
                 </a:solidFill>
               </a:rPr>
-              <a:t>Thoma</a:t>
-            </a:r>
-            <a:r>
-              <a:rPr lang="en-US" sz="4800" dirty="0" smtClean="0">
-                <a:solidFill>
-                  <a:schemeClr val="bg1"/>
-                </a:solidFill>
-              </a:rPr>
-              <a:t>s Wilson, David Bard, William Beasley</a:t>
+              <a:t>Thomas Wilson, David Bard, William Beasley</a:t>
             </a:r>
             <a:endParaRPr lang="en-US" sz="4800" dirty="0">
               <a:solidFill>
@@ -3430,12 +3456,6 @@
             <a:pPr marL="0" indent="0">
               <a:buNone/>
             </a:pPr>
-            <a:endParaRPr lang="en-US" sz="3400" b="1" dirty="0" smtClean="0"/>
-          </a:p>
-          <a:p>
-            <a:pPr marL="0" indent="0">
-              <a:buNone/>
-            </a:pPr>
             <a:r>
               <a:rPr lang="en-US" sz="3400" b="1" dirty="0" smtClean="0"/>
               <a:t>Participation</a:t>
@@ -3735,13 +3755,8 @@
             </a:pPr>
             <a:r>
               <a:rPr lang="en-US" sz="3400" dirty="0" smtClean="0"/>
-              <a:t>ASQ-3 Cutoff Scores for the developmental areas indicating that a child should be referred for additional assessment are located two standard deviations below the mean.  </a:t>
-            </a:r>
-            <a:r>
-              <a:rPr lang="en-US" sz="3400" dirty="0" smtClean="0"/>
-              <a:t>For the ASQ-3 this represents approximately 2.5% of the population.  Our sample population had percentages well above the expected 2.5% in all 5 developmental areas.</a:t>
-            </a:r>
-            <a:endParaRPr lang="en-US" sz="3400" dirty="0" smtClean="0"/>
+              <a:t>ASQ-3 Cutoff Scores for the developmental areas indicating that a child should be referred for additional assessment are located two standard deviations below the mean.  For the ASQ-3 this represents approximately 2.5% of the population.  Our sample population had percentages well above the expected 2.5% in all 5 developmental areas.</a:t>
+            </a:r>
           </a:p>
         </p:txBody>
       </p:sp>
@@ -3827,15 +3842,9 @@
             <a:pPr marL="0" indent="0">
               <a:buNone/>
             </a:pPr>
-            <a:endParaRPr lang="en-US" sz="3400" dirty="0" smtClean="0"/>
-          </a:p>
-          <a:p>
-            <a:pPr marL="0" indent="0">
-              <a:buNone/>
-            </a:pPr>
-            <a:r>
-              <a:rPr lang="en-US" sz="3400" dirty="0" smtClean="0"/>
-              <a:t>Three measures were used to assess ASD in our sample: ASRS, MCHAT, and CSBS</a:t>
+            <a:r>
+              <a:rPr lang="en-US" sz="3400" dirty="0" smtClean="0"/>
+              <a:t>Three measures were used to assess ASD in our sample: ASRS (ages 24-60 months), MCHAT (ages 16-24 months), and CSBS (ages 6-24 months)</a:t>
             </a:r>
           </a:p>
           <a:p>
@@ -3873,7 +3882,6 @@
               <a:rPr lang="en-US" sz="3400" dirty="0" smtClean="0"/>
               <a:t> percentile nationally.</a:t>
             </a:r>
-            <a:endParaRPr lang="en-US" sz="3400" dirty="0" smtClean="0"/>
           </a:p>
           <a:p>
             <a:pPr marL="0" indent="0">
@@ -3911,18 +3919,14 @@
             </a:r>
             <a:r>
               <a:rPr lang="en-US" sz="3400" dirty="0" smtClean="0"/>
-              <a:t>this </a:t>
-            </a:r>
-            <a:r>
-              <a:rPr lang="en-US" sz="3400" smtClean="0"/>
-              <a:t>result is in the  90</a:t>
-            </a:r>
-            <a:r>
-              <a:rPr lang="en-US" sz="3400" baseline="30000" smtClean="0"/>
+              <a:t>this result is in the  90</a:t>
+            </a:r>
+            <a:r>
+              <a:rPr lang="en-US" sz="3400" baseline="30000" dirty="0" smtClean="0"/>
               <a:t>th</a:t>
             </a:r>
             <a:r>
-              <a:rPr lang="en-US" sz="3400" smtClean="0"/>
+              <a:rPr lang="en-US" sz="3400" dirty="0" smtClean="0"/>
               <a:t> Percentile.</a:t>
             </a:r>
             <a:endParaRPr lang="en-US" sz="3400" dirty="0"/>
@@ -4037,7 +4041,7 @@
             </a:pPr>
             <a:r>
               <a:rPr lang="en-US" sz="3400" dirty="0" smtClean="0"/>
-              <a:t>With 568 responses, 29% of the sample</a:t>
+              <a:t>Based on the responses from the survey,</a:t>
             </a:r>
           </a:p>
           <a:p>
@@ -4046,7 +4050,19 @@
             </a:pPr>
             <a:r>
               <a:rPr lang="en-US" sz="3400" dirty="0" smtClean="0"/>
-              <a:t>indicated that they fell into the “at-risk”</a:t>
+              <a:t>16% </a:t>
+            </a:r>
+            <a:r>
+              <a:rPr lang="en-US" sz="3400" dirty="0" smtClean="0"/>
+              <a:t>of the </a:t>
+            </a:r>
+            <a:r>
+              <a:rPr lang="en-US" sz="3400" dirty="0" smtClean="0"/>
+              <a:t>sample fell </a:t>
+            </a:r>
+            <a:r>
+              <a:rPr lang="en-US" sz="3400" dirty="0" smtClean="0"/>
+              <a:t>into the “at-risk”</a:t>
             </a:r>
           </a:p>
           <a:p>
@@ -4055,8 +4071,21 @@
             </a:pPr>
             <a:r>
               <a:rPr lang="en-US" sz="3400" dirty="0" smtClean="0"/>
-              <a:t>category.  An individual is considered </a:t>
-            </a:r>
+              <a:t>category.  </a:t>
+            </a:r>
+            <a:r>
+              <a:rPr lang="en-US" sz="3400" dirty="0" smtClean="0"/>
+              <a:t>On the BCAPI, a</a:t>
+            </a:r>
+            <a:r>
+              <a:rPr lang="en-US" sz="3400" dirty="0" smtClean="0"/>
+              <a:t>n </a:t>
+            </a:r>
+            <a:r>
+              <a:rPr lang="en-US" sz="3400" dirty="0" smtClean="0"/>
+              <a:t>individual </a:t>
+            </a:r>
+            <a:endParaRPr lang="en-US" sz="3400" dirty="0" smtClean="0"/>
           </a:p>
           <a:p>
             <a:pPr marL="0" indent="0">
@@ -4064,7 +4093,7 @@
             </a:pPr>
             <a:r>
               <a:rPr lang="en-US" sz="3400" dirty="0" smtClean="0"/>
-              <a:t>at-risk after receiving a score of 8 or </a:t>
+              <a:t>falls in the at-risk classification after </a:t>
             </a:r>
           </a:p>
           <a:p>
@@ -4073,8 +4102,21 @@
             </a:pPr>
             <a:r>
               <a:rPr lang="en-US" sz="3400" dirty="0" smtClean="0"/>
-              <a:t>greater on the 34 question child abuse</a:t>
-            </a:r>
+              <a:t>receiving </a:t>
+            </a:r>
+            <a:r>
+              <a:rPr lang="en-US" sz="3400" dirty="0" smtClean="0"/>
+              <a:t>a score of 12 </a:t>
+            </a:r>
+            <a:r>
+              <a:rPr lang="en-US" sz="3400" dirty="0" smtClean="0"/>
+              <a:t>or greater </a:t>
+            </a:r>
+            <a:r>
+              <a:rPr lang="en-US" sz="3400" dirty="0" smtClean="0"/>
+              <a:t>on </a:t>
+            </a:r>
+            <a:endParaRPr lang="en-US" sz="3400" dirty="0" smtClean="0"/>
           </a:p>
           <a:p>
             <a:pPr marL="0" indent="0">
@@ -4082,9 +4124,21 @@
             </a:pPr>
             <a:r>
               <a:rPr lang="en-US" sz="3400" dirty="0" smtClean="0"/>
+              <a:t>the </a:t>
+            </a:r>
+            <a:r>
+              <a:rPr lang="en-US" sz="3400" dirty="0" smtClean="0"/>
+              <a:t>34 question child abuse</a:t>
+            </a:r>
+          </a:p>
+          <a:p>
+            <a:pPr marL="0" indent="0">
+              <a:buNone/>
+            </a:pPr>
+            <a:r>
+              <a:rPr lang="en-US" sz="3400" dirty="0" smtClean="0"/>
               <a:t>potential inventory.</a:t>
             </a:r>
-            <a:endParaRPr lang="en-US" sz="3400" dirty="0" smtClean="0"/>
           </a:p>
         </p:txBody>
       </p:sp>
@@ -4243,7 +4297,6 @@
               <a:rPr lang="en-US" sz="3400" dirty="0"/>
               <a:t>University Press.</a:t>
             </a:r>
-            <a:endParaRPr lang="en-US" sz="3400" dirty="0"/>
           </a:p>
         </p:txBody>
       </p:sp>
@@ -4322,7 +4375,7 @@
         </p:spPr>
         <p:txBody>
           <a:bodyPr>
-            <a:normAutofit/>
+            <a:normAutofit fontScale="92500"/>
           </a:bodyPr>
           <a:lstStyle/>
           <a:p>
@@ -4331,9 +4384,8 @@
             </a:pPr>
             <a:r>
               <a:rPr lang="en-US" sz="3400" dirty="0" smtClean="0"/>
-              <a:t>Our survey incorporated 5 questions from the CBCL related to child sexual behavior problems.  The responses for these questions ranged from 0% to 4%.  These responses did not vary significantly from the national responses.</a:t>
-            </a:r>
-            <a:endParaRPr lang="en-US" sz="3400" dirty="0" smtClean="0"/>
+              <a:t>Our survey incorporated 5 questions from the CBCL related to child sexual behavior problems.  The percentages of parents acknowledging these specific behavior problems ranged from 0% to 4%.  These percentages did not vary significantly from the national rates.</a:t>
+            </a:r>
           </a:p>
         </p:txBody>
       </p:sp>
@@ -4574,13 +4626,8 @@
             </a:pPr>
             <a:r>
               <a:rPr lang="en-US" sz="3400" dirty="0" smtClean="0"/>
-              <a:t>Early interventions </a:t>
-            </a:r>
-            <a:r>
-              <a:rPr lang="en-US" sz="3400" dirty="0" smtClean="0"/>
-              <a:t>for children with DBDs have proven effective at remediation and prevention, but researches available for early identification are limited.  This present study examines DBD prevalence among a sample of highly vulnerable Oklahoma children, and attempts to build the case for wise use of resources aimed at targeted therapeutic efforts.</a:t>
-            </a:r>
-            <a:endParaRPr lang="en-US" sz="3400" dirty="0" smtClean="0"/>
+              <a:t>Early interventions for children with DBDs have proven effective at remediation and prevention, but resources available for early identification are limited.  This present study examines DBD prevalence among a sample of highly vulnerable Oklahoma children, and attempts to build the case for wise use of resources aimed at targeted therapeutic efforts.</a:t>
+            </a:r>
           </a:p>
         </p:txBody>
       </p:sp>
@@ -4680,7 +4727,7 @@
       </p:pic>
       <p:pic>
         <p:nvPicPr>
-          <p:cNvPr id="7" name="Picture 6"/>
+          <p:cNvPr id="2" name="Picture 1"/>
           <p:cNvPicPr>
             <a:picLocks noChangeAspect="1"/>
           </p:cNvPicPr>
@@ -4700,8 +4747,8 @@
         </p:blipFill>
         <p:spPr>
           <a:xfrm>
-            <a:off x="42068810" y="9578343"/>
-            <a:ext cx="8374351" cy="6583680"/>
+            <a:off x="42684955" y="9271740"/>
+            <a:ext cx="7591605" cy="6583680"/>
           </a:xfrm>
           <a:prstGeom prst="rect">
             <a:avLst/>
